--- a/Hazardous Gas Detection and Alarm System (GDAS).pptx
+++ b/Hazardous Gas Detection and Alarm System (GDAS).pptx
@@ -111,6 +111,11 @@
       </a:defRPr>
     </a:lvl9pPr>
   </p:defaultTextStyle>
+  <p:extLst>
+    <p:ext uri="{EFAFB233-063F-42B5-8137-9DF3F51BA10A}">
+      <p15:sldGuideLst xmlns:p15="http://schemas.microsoft.com/office/powerpoint/2012/main"/>
+    </p:ext>
+  </p:extLst>
 </p:presentation>
 </file>
 
@@ -859,7 +864,7 @@
           <a:p>
             <a:fld id="{4E50B8B5-583C-4517-BD43-114C0DBA7601}" type="datetimeFigureOut">
               <a:rPr lang="en-IN" smtClean="0"/>
-              <a:t>19-03-2025</a:t>
+              <a:t>20-03-2025</a:t>
             </a:fld>
             <a:endParaRPr lang="en-IN"/>
           </a:p>
@@ -1110,7 +1115,7 @@
           <a:p>
             <a:fld id="{4E50B8B5-583C-4517-BD43-114C0DBA7601}" type="datetimeFigureOut">
               <a:rPr lang="en-IN" smtClean="0"/>
-              <a:t>19-03-2025</a:t>
+              <a:t>20-03-2025</a:t>
             </a:fld>
             <a:endParaRPr lang="en-IN"/>
           </a:p>
@@ -1424,7 +1429,7 @@
           <a:p>
             <a:fld id="{4E50B8B5-583C-4517-BD43-114C0DBA7601}" type="datetimeFigureOut">
               <a:rPr lang="en-IN" smtClean="0"/>
-              <a:t>19-03-2025</a:t>
+              <a:t>20-03-2025</a:t>
             </a:fld>
             <a:endParaRPr lang="en-IN"/>
           </a:p>
@@ -1757,7 +1762,7 @@
           <a:p>
             <a:fld id="{4E50B8B5-583C-4517-BD43-114C0DBA7601}" type="datetimeFigureOut">
               <a:rPr lang="en-IN" smtClean="0"/>
-              <a:t>19-03-2025</a:t>
+              <a:t>20-03-2025</a:t>
             </a:fld>
             <a:endParaRPr lang="en-IN"/>
           </a:p>
@@ -2071,7 +2076,7 @@
           <a:p>
             <a:fld id="{4E50B8B5-583C-4517-BD43-114C0DBA7601}" type="datetimeFigureOut">
               <a:rPr lang="en-IN" smtClean="0"/>
-              <a:t>19-03-2025</a:t>
+              <a:t>20-03-2025</a:t>
             </a:fld>
             <a:endParaRPr lang="en-IN"/>
           </a:p>
@@ -2464,7 +2469,7 @@
           <a:p>
             <a:fld id="{4E50B8B5-583C-4517-BD43-114C0DBA7601}" type="datetimeFigureOut">
               <a:rPr lang="en-IN" smtClean="0"/>
-              <a:t>19-03-2025</a:t>
+              <a:t>20-03-2025</a:t>
             </a:fld>
             <a:endParaRPr lang="en-IN"/>
           </a:p>
@@ -2634,7 +2639,7 @@
           <a:p>
             <a:fld id="{4E50B8B5-583C-4517-BD43-114C0DBA7601}" type="datetimeFigureOut">
               <a:rPr lang="en-IN" smtClean="0"/>
-              <a:t>19-03-2025</a:t>
+              <a:t>20-03-2025</a:t>
             </a:fld>
             <a:endParaRPr lang="en-IN"/>
           </a:p>
@@ -2814,7 +2819,7 @@
           <a:p>
             <a:fld id="{4E50B8B5-583C-4517-BD43-114C0DBA7601}" type="datetimeFigureOut">
               <a:rPr lang="en-IN" smtClean="0"/>
-              <a:t>19-03-2025</a:t>
+              <a:t>20-03-2025</a:t>
             </a:fld>
             <a:endParaRPr lang="en-IN"/>
           </a:p>
@@ -2984,7 +2989,7 @@
           <a:p>
             <a:fld id="{4E50B8B5-583C-4517-BD43-114C0DBA7601}" type="datetimeFigureOut">
               <a:rPr lang="en-IN" smtClean="0"/>
-              <a:t>19-03-2025</a:t>
+              <a:t>20-03-2025</a:t>
             </a:fld>
             <a:endParaRPr lang="en-IN"/>
           </a:p>
@@ -3231,7 +3236,7 @@
           <a:p>
             <a:fld id="{4E50B8B5-583C-4517-BD43-114C0DBA7601}" type="datetimeFigureOut">
               <a:rPr lang="en-IN" smtClean="0"/>
-              <a:t>19-03-2025</a:t>
+              <a:t>20-03-2025</a:t>
             </a:fld>
             <a:endParaRPr lang="en-IN"/>
           </a:p>
@@ -3463,7 +3468,7 @@
           <a:p>
             <a:fld id="{4E50B8B5-583C-4517-BD43-114C0DBA7601}" type="datetimeFigureOut">
               <a:rPr lang="en-IN" smtClean="0"/>
-              <a:t>19-03-2025</a:t>
+              <a:t>20-03-2025</a:t>
             </a:fld>
             <a:endParaRPr lang="en-IN"/>
           </a:p>
@@ -3837,7 +3842,7 @@
           <a:p>
             <a:fld id="{4E50B8B5-583C-4517-BD43-114C0DBA7601}" type="datetimeFigureOut">
               <a:rPr lang="en-IN" smtClean="0"/>
-              <a:t>19-03-2025</a:t>
+              <a:t>20-03-2025</a:t>
             </a:fld>
             <a:endParaRPr lang="en-IN"/>
           </a:p>
@@ -3960,7 +3965,7 @@
           <a:p>
             <a:fld id="{4E50B8B5-583C-4517-BD43-114C0DBA7601}" type="datetimeFigureOut">
               <a:rPr lang="en-IN" smtClean="0"/>
-              <a:t>19-03-2025</a:t>
+              <a:t>20-03-2025</a:t>
             </a:fld>
             <a:endParaRPr lang="en-IN"/>
           </a:p>
@@ -4055,7 +4060,7 @@
           <a:p>
             <a:fld id="{4E50B8B5-583C-4517-BD43-114C0DBA7601}" type="datetimeFigureOut">
               <a:rPr lang="en-IN" smtClean="0"/>
-              <a:t>19-03-2025</a:t>
+              <a:t>20-03-2025</a:t>
             </a:fld>
             <a:endParaRPr lang="en-IN"/>
           </a:p>
@@ -4310,7 +4315,7 @@
           <a:p>
             <a:fld id="{4E50B8B5-583C-4517-BD43-114C0DBA7601}" type="datetimeFigureOut">
               <a:rPr lang="en-IN" smtClean="0"/>
-              <a:t>19-03-2025</a:t>
+              <a:t>20-03-2025</a:t>
             </a:fld>
             <a:endParaRPr lang="en-IN"/>
           </a:p>
@@ -4615,7 +4620,7 @@
           <a:p>
             <a:fld id="{4E50B8B5-583C-4517-BD43-114C0DBA7601}" type="datetimeFigureOut">
               <a:rPr lang="en-IN" smtClean="0"/>
-              <a:t>19-03-2025</a:t>
+              <a:t>20-03-2025</a:t>
             </a:fld>
             <a:endParaRPr lang="en-IN"/>
           </a:p>
@@ -5317,7 +5322,7 @@
           <a:p>
             <a:fld id="{4E50B8B5-583C-4517-BD43-114C0DBA7601}" type="datetimeFigureOut">
               <a:rPr lang="en-IN" smtClean="0"/>
-              <a:t>19-03-2025</a:t>
+              <a:t>20-03-2025</a:t>
             </a:fld>
             <a:endParaRPr lang="en-IN"/>
           </a:p>
@@ -7130,7 +7135,7 @@
         </p:nvSpPr>
         <p:spPr>
           <a:xfrm>
-            <a:off x="677334" y="609600"/>
+            <a:off x="677334" y="122903"/>
             <a:ext cx="8596668" cy="658761"/>
           </a:xfrm>
         </p:spPr>
@@ -7163,8 +7168,8 @@
         </p:nvSpPr>
         <p:spPr>
           <a:xfrm>
-            <a:off x="677334" y="1268361"/>
-            <a:ext cx="8596668" cy="5466736"/>
+            <a:off x="677334" y="781663"/>
+            <a:ext cx="8596668" cy="5953433"/>
           </a:xfrm>
         </p:spPr>
         <p:txBody>
@@ -7187,7 +7192,15 @@
           <a:p>
             <a:r>
               <a:rPr lang="en-US" sz="2200" dirty="0"/>
-              <a:t>Our plan is to leverage advancements in information technology, such as Wi-Fi and Bluetooth wireless technology, to create a more responsive and reliable alert system.</a:t>
+              <a:t>Our plan is to leverage advancements in information technology, such as Wi-Fi and Bluetooth wireless </a:t>
+            </a:r>
+            <a:r>
+              <a:rPr lang="en-US" sz="2200" dirty="0" err="1"/>
+              <a:t>technology,or</a:t>
+            </a:r>
+            <a:r>
+              <a:rPr lang="en-US" sz="2200" dirty="0"/>
+              <a:t> LoRa(Which have a range of ~10 Km) to create a more responsive and reliable alert system.</a:t>
             </a:r>
           </a:p>
           <a:p>

--- a/Hazardous Gas Detection and Alarm System (GDAS).pptx
+++ b/Hazardous Gas Detection and Alarm System (GDAS).pptx
@@ -864,7 +864,7 @@
           <a:p>
             <a:fld id="{4E50B8B5-583C-4517-BD43-114C0DBA7601}" type="datetimeFigureOut">
               <a:rPr lang="en-IN" smtClean="0"/>
-              <a:t>20-03-2025</a:t>
+              <a:t>20-04-2025</a:t>
             </a:fld>
             <a:endParaRPr lang="en-IN"/>
           </a:p>
@@ -1115,7 +1115,7 @@
           <a:p>
             <a:fld id="{4E50B8B5-583C-4517-BD43-114C0DBA7601}" type="datetimeFigureOut">
               <a:rPr lang="en-IN" smtClean="0"/>
-              <a:t>20-03-2025</a:t>
+              <a:t>20-04-2025</a:t>
             </a:fld>
             <a:endParaRPr lang="en-IN"/>
           </a:p>
@@ -1429,7 +1429,7 @@
           <a:p>
             <a:fld id="{4E50B8B5-583C-4517-BD43-114C0DBA7601}" type="datetimeFigureOut">
               <a:rPr lang="en-IN" smtClean="0"/>
-              <a:t>20-03-2025</a:t>
+              <a:t>20-04-2025</a:t>
             </a:fld>
             <a:endParaRPr lang="en-IN"/>
           </a:p>
@@ -1762,7 +1762,7 @@
           <a:p>
             <a:fld id="{4E50B8B5-583C-4517-BD43-114C0DBA7601}" type="datetimeFigureOut">
               <a:rPr lang="en-IN" smtClean="0"/>
-              <a:t>20-03-2025</a:t>
+              <a:t>20-04-2025</a:t>
             </a:fld>
             <a:endParaRPr lang="en-IN"/>
           </a:p>
@@ -2076,7 +2076,7 @@
           <a:p>
             <a:fld id="{4E50B8B5-583C-4517-BD43-114C0DBA7601}" type="datetimeFigureOut">
               <a:rPr lang="en-IN" smtClean="0"/>
-              <a:t>20-03-2025</a:t>
+              <a:t>20-04-2025</a:t>
             </a:fld>
             <a:endParaRPr lang="en-IN"/>
           </a:p>
@@ -2469,7 +2469,7 @@
           <a:p>
             <a:fld id="{4E50B8B5-583C-4517-BD43-114C0DBA7601}" type="datetimeFigureOut">
               <a:rPr lang="en-IN" smtClean="0"/>
-              <a:t>20-03-2025</a:t>
+              <a:t>20-04-2025</a:t>
             </a:fld>
             <a:endParaRPr lang="en-IN"/>
           </a:p>
@@ -2639,7 +2639,7 @@
           <a:p>
             <a:fld id="{4E50B8B5-583C-4517-BD43-114C0DBA7601}" type="datetimeFigureOut">
               <a:rPr lang="en-IN" smtClean="0"/>
-              <a:t>20-03-2025</a:t>
+              <a:t>20-04-2025</a:t>
             </a:fld>
             <a:endParaRPr lang="en-IN"/>
           </a:p>
@@ -2819,7 +2819,7 @@
           <a:p>
             <a:fld id="{4E50B8B5-583C-4517-BD43-114C0DBA7601}" type="datetimeFigureOut">
               <a:rPr lang="en-IN" smtClean="0"/>
-              <a:t>20-03-2025</a:t>
+              <a:t>20-04-2025</a:t>
             </a:fld>
             <a:endParaRPr lang="en-IN"/>
           </a:p>
@@ -2989,7 +2989,7 @@
           <a:p>
             <a:fld id="{4E50B8B5-583C-4517-BD43-114C0DBA7601}" type="datetimeFigureOut">
               <a:rPr lang="en-IN" smtClean="0"/>
-              <a:t>20-03-2025</a:t>
+              <a:t>20-04-2025</a:t>
             </a:fld>
             <a:endParaRPr lang="en-IN"/>
           </a:p>
@@ -3236,7 +3236,7 @@
           <a:p>
             <a:fld id="{4E50B8B5-583C-4517-BD43-114C0DBA7601}" type="datetimeFigureOut">
               <a:rPr lang="en-IN" smtClean="0"/>
-              <a:t>20-03-2025</a:t>
+              <a:t>20-04-2025</a:t>
             </a:fld>
             <a:endParaRPr lang="en-IN"/>
           </a:p>
@@ -3468,7 +3468,7 @@
           <a:p>
             <a:fld id="{4E50B8B5-583C-4517-BD43-114C0DBA7601}" type="datetimeFigureOut">
               <a:rPr lang="en-IN" smtClean="0"/>
-              <a:t>20-03-2025</a:t>
+              <a:t>20-04-2025</a:t>
             </a:fld>
             <a:endParaRPr lang="en-IN"/>
           </a:p>
@@ -3842,7 +3842,7 @@
           <a:p>
             <a:fld id="{4E50B8B5-583C-4517-BD43-114C0DBA7601}" type="datetimeFigureOut">
               <a:rPr lang="en-IN" smtClean="0"/>
-              <a:t>20-03-2025</a:t>
+              <a:t>20-04-2025</a:t>
             </a:fld>
             <a:endParaRPr lang="en-IN"/>
           </a:p>
@@ -3965,7 +3965,7 @@
           <a:p>
             <a:fld id="{4E50B8B5-583C-4517-BD43-114C0DBA7601}" type="datetimeFigureOut">
               <a:rPr lang="en-IN" smtClean="0"/>
-              <a:t>20-03-2025</a:t>
+              <a:t>20-04-2025</a:t>
             </a:fld>
             <a:endParaRPr lang="en-IN"/>
           </a:p>
@@ -4060,7 +4060,7 @@
           <a:p>
             <a:fld id="{4E50B8B5-583C-4517-BD43-114C0DBA7601}" type="datetimeFigureOut">
               <a:rPr lang="en-IN" smtClean="0"/>
-              <a:t>20-03-2025</a:t>
+              <a:t>20-04-2025</a:t>
             </a:fld>
             <a:endParaRPr lang="en-IN"/>
           </a:p>
@@ -4315,7 +4315,7 @@
           <a:p>
             <a:fld id="{4E50B8B5-583C-4517-BD43-114C0DBA7601}" type="datetimeFigureOut">
               <a:rPr lang="en-IN" smtClean="0"/>
-              <a:t>20-03-2025</a:t>
+              <a:t>20-04-2025</a:t>
             </a:fld>
             <a:endParaRPr lang="en-IN"/>
           </a:p>
@@ -4620,7 +4620,7 @@
           <a:p>
             <a:fld id="{4E50B8B5-583C-4517-BD43-114C0DBA7601}" type="datetimeFigureOut">
               <a:rPr lang="en-IN" smtClean="0"/>
-              <a:t>20-03-2025</a:t>
+              <a:t>20-04-2025</a:t>
             </a:fld>
             <a:endParaRPr lang="en-IN"/>
           </a:p>
@@ -5322,7 +5322,7 @@
           <a:p>
             <a:fld id="{4E50B8B5-583C-4517-BD43-114C0DBA7601}" type="datetimeFigureOut">
               <a:rPr lang="en-IN" smtClean="0"/>
-              <a:t>20-03-2025</a:t>
+              <a:t>20-04-2025</a:t>
             </a:fld>
             <a:endParaRPr lang="en-IN"/>
           </a:p>
@@ -6052,13 +6052,13 @@
           <a:p>
             <a:r>
               <a:rPr lang="en-US" sz="2400" dirty="0"/>
-              <a:t>Hazardous gases like methane, hydrogen, carbon monoxide, and nitrous oxide are commonly used or produced in various fields of mechanical engineering, including industrial processes, petrochemical plants, metal processing, and mining.</a:t>
+              <a:t>Hazardous gases like methane, hydrogen, carbon monoxide, and nitrous oxide are commonly used or produced in various fields of mechanical engineering, such as industrial processes, petrochemical plants, metal processing, and mining.</a:t>
             </a:r>
           </a:p>
           <a:p>
             <a:r>
               <a:rPr lang="en-US" sz="2400" dirty="0"/>
-              <a:t>These gases pose serious health risks if inhaled and are often highly combustible, which can lead to significant damage if not properly controlled.</a:t>
+              <a:t>These gases pose serious health risks if inhaled and are often highly combustible, which can lead to significant damage if not properly handled.</a:t>
             </a:r>
           </a:p>
           <a:p>
@@ -6591,7 +6591,7 @@
             </a:pPr>
             <a:r>
               <a:rPr lang="en-US" sz="2300" dirty="0"/>
-              <a:t>Lack of gas leak detection and emergency response systems</a:t>
+              <a:t>Lack of ability to detect gas leak and in-adequate emergency response systems</a:t>
             </a:r>
           </a:p>
         </p:txBody>
@@ -6650,7 +6650,7 @@
         </p:spPr>
         <p:txBody>
           <a:bodyPr>
-            <a:normAutofit/>
+            <a:normAutofit lnSpcReduction="10000"/>
           </a:bodyPr>
           <a:lstStyle/>
           <a:p>
@@ -6696,6 +6696,18 @@
               <a:buChar char="•"/>
             </a:pPr>
             <a:r>
+              <a:rPr lang="en-IN" sz="2800" dirty="0"/>
+              <a:t>2011 </a:t>
+            </a:r>
+            <a:r>
+              <a:rPr lang="en-IN" sz="2800" dirty="0" err="1"/>
+              <a:t>Tōhoku</a:t>
+            </a:r>
+            <a:r>
+              <a:rPr lang="en-IN" sz="2800" dirty="0"/>
+              <a:t> </a:t>
+            </a:r>
+            <a:r>
               <a:rPr lang="en-US" sz="2400" dirty="0"/>
               <a:t>Tsunami triggered failure of cooling systems</a:t>
             </a:r>
@@ -6707,7 +6719,7 @@
             </a:pPr>
             <a:r>
               <a:rPr lang="en-US" sz="2400" dirty="0"/>
-              <a:t>Hydrogen buildup led to explosions caused which due to lack of centralized monitoring systems of hydrogen gas</a:t>
+              <a:t>Hydrogen buildup led to explosions which was caused due to lack of centralized monitoring systems of hydrogen gas</a:t>
             </a:r>
           </a:p>
           <a:p>
@@ -6761,7 +6773,7 @@
             </a:pPr>
             <a:r>
               <a:rPr lang="en-US" sz="2400" dirty="0"/>
-              <a:t>Long-term environmental and health consequences due to radioactive release</a:t>
+              <a:t>Long-term environmental and health consequences due to radioactive elements expelled by hydrogen explosion</a:t>
             </a:r>
           </a:p>
           <a:p>
@@ -7168,8 +7180,8 @@
         </p:nvSpPr>
         <p:spPr>
           <a:xfrm>
-            <a:off x="677334" y="781663"/>
-            <a:ext cx="8596668" cy="5953433"/>
+            <a:off x="677334" y="629265"/>
+            <a:ext cx="8596668" cy="6105831"/>
           </a:xfrm>
         </p:spPr>
         <p:txBody>
@@ -7192,21 +7204,21 @@
           <a:p>
             <a:r>
               <a:rPr lang="en-US" sz="2200" dirty="0"/>
-              <a:t>Our plan is to leverage advancements in information technology, such as Wi-Fi and Bluetooth wireless </a:t>
-            </a:r>
-            <a:r>
-              <a:rPr lang="en-US" sz="2200" dirty="0" err="1"/>
-              <a:t>technology,or</a:t>
+              <a:t>Our plan is to leverage advancements in information technology, such as Wi-Fi and Bluetooth wireless technology, or LoRa </a:t>
+            </a:r>
+            <a:r>
+              <a:rPr lang="en-IN" sz="2400" dirty="0"/>
+              <a:t>wireless communication</a:t>
             </a:r>
             <a:r>
               <a:rPr lang="en-US" sz="2200" dirty="0"/>
-              <a:t> LoRa(Which have a range of ~10 Km) to create a more responsive and reliable alert system.</a:t>
+              <a:t>(Which have a range of ~10 Km) to create a more responsive and reliable alert system.</a:t>
             </a:r>
           </a:p>
           <a:p>
             <a:r>
               <a:rPr lang="en-US" sz="2200" dirty="0"/>
-              <a:t>Design the system to be expandable and modular, allowing it to be adapted for various settings, such as range hoods (chimneys) and the cabins of large industrial machines like excavators, dump trucks, and earth movers.</a:t>
+              <a:t>Design the system to be expandable and modular, allowing it to be adapted for various settings, such as range hoods (chimneys), blast furnaces in steel plants[CO] and the cabins of large industrial machines like excavators, dump trucks, and earth movers.</a:t>
             </a:r>
             <a:endParaRPr lang="en-IN" sz="2200" dirty="0"/>
           </a:p>
